--- a/coderetreat/CodeRetreat.pptx
+++ b/coderetreat/CodeRetreat.pptx
@@ -5,23 +5,19 @@
     <p:sldMasterId id="2147483780" r:id="rId1"/>
   </p:sldMasterIdLst>
   <p:notesMasterIdLst>
-    <p:notesMasterId r:id="rId16"/>
+    <p:notesMasterId r:id="rId12"/>
   </p:notesMasterIdLst>
   <p:sldIdLst>
     <p:sldId id="256" r:id="rId2"/>
-    <p:sldId id="284" r:id="rId3"/>
-    <p:sldId id="257" r:id="rId4"/>
+    <p:sldId id="257" r:id="rId3"/>
+    <p:sldId id="268" r:id="rId4"/>
     <p:sldId id="258" r:id="rId5"/>
     <p:sldId id="262" r:id="rId6"/>
     <p:sldId id="259" r:id="rId7"/>
     <p:sldId id="264" r:id="rId8"/>
-    <p:sldId id="285" r:id="rId9"/>
-    <p:sldId id="265" r:id="rId10"/>
-    <p:sldId id="286" r:id="rId11"/>
-    <p:sldId id="266" r:id="rId12"/>
-    <p:sldId id="287" r:id="rId13"/>
-    <p:sldId id="267" r:id="rId14"/>
-    <p:sldId id="288" r:id="rId15"/>
+    <p:sldId id="265" r:id="rId9"/>
+    <p:sldId id="266" r:id="rId10"/>
+    <p:sldId id="267" r:id="rId11"/>
   </p:sldIdLst>
   <p:sldSz cx="9144000" cy="6858000" type="screen4x3"/>
   <p:notesSz cx="6858000" cy="9144000"/>
@@ -221,7 +217,7 @@
           <a:p>
             <a:fld id="{16E5F246-0B7D-44DF-8C1B-EDFCA5DA626A}" type="datetimeFigureOut">
               <a:rPr lang="ru-RU" smtClean="0"/>
-              <a:t>17.02.2017</a:t>
+              <a:t>31.03.2018</a:t>
             </a:fld>
             <a:endParaRPr lang="ru-RU"/>
           </a:p>
@@ -754,7 +750,7 @@
           <a:p>
             <a:fld id="{ED7A5A9E-355E-4F5A-82F5-195339D13266}" type="datetimeFigureOut">
               <a:rPr lang="ru-RU" smtClean="0"/>
-              <a:t>17.02.2017</a:t>
+              <a:t>31.03.2018</a:t>
             </a:fld>
             <a:endParaRPr lang="ru-RU"/>
           </a:p>
@@ -924,7 +920,7 @@
           <a:p>
             <a:fld id="{ED7A5A9E-355E-4F5A-82F5-195339D13266}" type="datetimeFigureOut">
               <a:rPr lang="ru-RU" smtClean="0"/>
-              <a:t>17.02.2017</a:t>
+              <a:t>31.03.2018</a:t>
             </a:fld>
             <a:endParaRPr lang="ru-RU"/>
           </a:p>
@@ -1104,7 +1100,7 @@
           <a:p>
             <a:fld id="{ED7A5A9E-355E-4F5A-82F5-195339D13266}" type="datetimeFigureOut">
               <a:rPr lang="ru-RU" smtClean="0"/>
-              <a:t>17.02.2017</a:t>
+              <a:t>31.03.2018</a:t>
             </a:fld>
             <a:endParaRPr lang="ru-RU"/>
           </a:p>
@@ -1198,10 +1194,10 @@
           <a:lstStyle/>
           <a:p>
             <a:r>
-              <a:rPr lang="ru-RU" smtClean="0"/>
+              <a:rPr lang="ru-RU" dirty="0" smtClean="0"/>
               <a:t>Образец заголовка</a:t>
             </a:r>
-            <a:endParaRPr lang="ru-RU"/>
+            <a:endParaRPr lang="ru-RU" dirty="0"/>
           </a:p>
         </p:txBody>
       </p:sp>
@@ -1274,7 +1270,7 @@
           <a:p>
             <a:fld id="{ED7A5A9E-355E-4F5A-82F5-195339D13266}" type="datetimeFigureOut">
               <a:rPr lang="ru-RU" smtClean="0"/>
-              <a:t>17.02.2017</a:t>
+              <a:t>31.03.2018</a:t>
             </a:fld>
             <a:endParaRPr lang="ru-RU"/>
           </a:p>
@@ -1520,7 +1516,7 @@
           <a:p>
             <a:fld id="{ED7A5A9E-355E-4F5A-82F5-195339D13266}" type="datetimeFigureOut">
               <a:rPr lang="ru-RU" smtClean="0"/>
-              <a:t>17.02.2017</a:t>
+              <a:t>31.03.2018</a:t>
             </a:fld>
             <a:endParaRPr lang="ru-RU"/>
           </a:p>
@@ -1808,7 +1804,7 @@
           <a:p>
             <a:fld id="{ED7A5A9E-355E-4F5A-82F5-195339D13266}" type="datetimeFigureOut">
               <a:rPr lang="ru-RU" smtClean="0"/>
-              <a:t>17.02.2017</a:t>
+              <a:t>31.03.2018</a:t>
             </a:fld>
             <a:endParaRPr lang="ru-RU"/>
           </a:p>
@@ -2230,7 +2226,7 @@
           <a:p>
             <a:fld id="{ED7A5A9E-355E-4F5A-82F5-195339D13266}" type="datetimeFigureOut">
               <a:rPr lang="ru-RU" smtClean="0"/>
-              <a:t>17.02.2017</a:t>
+              <a:t>31.03.2018</a:t>
             </a:fld>
             <a:endParaRPr lang="ru-RU"/>
           </a:p>
@@ -2348,7 +2344,7 @@
           <a:p>
             <a:fld id="{ED7A5A9E-355E-4F5A-82F5-195339D13266}" type="datetimeFigureOut">
               <a:rPr lang="ru-RU" smtClean="0"/>
-              <a:t>17.02.2017</a:t>
+              <a:t>31.03.2018</a:t>
             </a:fld>
             <a:endParaRPr lang="ru-RU"/>
           </a:p>
@@ -2443,7 +2439,7 @@
           <a:p>
             <a:fld id="{ED7A5A9E-355E-4F5A-82F5-195339D13266}" type="datetimeFigureOut">
               <a:rPr lang="ru-RU" smtClean="0"/>
-              <a:t>17.02.2017</a:t>
+              <a:t>31.03.2018</a:t>
             </a:fld>
             <a:endParaRPr lang="ru-RU"/>
           </a:p>
@@ -2720,7 +2716,7 @@
           <a:p>
             <a:fld id="{ED7A5A9E-355E-4F5A-82F5-195339D13266}" type="datetimeFigureOut">
               <a:rPr lang="ru-RU" smtClean="0"/>
-              <a:t>17.02.2017</a:t>
+              <a:t>31.03.2018</a:t>
             </a:fld>
             <a:endParaRPr lang="ru-RU"/>
           </a:p>
@@ -2973,7 +2969,7 @@
           <a:p>
             <a:fld id="{ED7A5A9E-355E-4F5A-82F5-195339D13266}" type="datetimeFigureOut">
               <a:rPr lang="ru-RU" smtClean="0"/>
-              <a:t>17.02.2017</a:t>
+              <a:t>31.03.2018</a:t>
             </a:fld>
             <a:endParaRPr lang="ru-RU"/>
           </a:p>
@@ -3186,7 +3182,7 @@
           <a:p>
             <a:fld id="{ED7A5A9E-355E-4F5A-82F5-195339D13266}" type="datetimeFigureOut">
               <a:rPr lang="ru-RU" smtClean="0"/>
-              <a:t>17.02.2017</a:t>
+              <a:t>31.03.2018</a:t>
             </a:fld>
             <a:endParaRPr lang="ru-RU"/>
           </a:p>
@@ -3293,7 +3289,7 @@
   </p:sldLayoutIdLst>
   <p:txStyles>
     <p:titleStyle>
-      <a:lvl1pPr algn="ctr" defTabSz="914400" rtl="0" eaLnBrk="1" latinLnBrk="0" hangingPunct="1">
+      <a:lvl1pPr algn="l" defTabSz="914400" rtl="0" eaLnBrk="1" latinLnBrk="0" hangingPunct="1">
         <a:spcBef>
           <a:spcPct val="0"/>
         </a:spcBef>
@@ -3644,457 +3640,6 @@
             <p:ph type="title"/>
           </p:nvPr>
         </p:nvSpPr>
-        <p:spPr>
-          <a:xfrm>
-            <a:off x="457200" y="274638"/>
-            <a:ext cx="8229600" cy="1714202"/>
-          </a:xfrm>
-        </p:spPr>
-        <p:txBody>
-          <a:bodyPr>
-            <a:normAutofit/>
-          </a:bodyPr>
-          <a:lstStyle/>
-          <a:p>
-            <a:r>
-              <a:rPr lang="ru-RU" dirty="0" smtClean="0"/>
-              <a:t>Анкета!</a:t>
-            </a:r>
-            <a:endParaRPr lang="ru-RU" dirty="0"/>
-          </a:p>
-        </p:txBody>
-      </p:sp>
-      <p:sp>
-        <p:nvSpPr>
-          <p:cNvPr id="3" name="Объект 2"/>
-          <p:cNvSpPr>
-            <a:spLocks noGrp="1"/>
-          </p:cNvSpPr>
-          <p:nvPr>
-            <p:ph idx="1"/>
-          </p:nvPr>
-        </p:nvSpPr>
-        <p:spPr/>
-        <p:txBody>
-          <a:bodyPr anchor="ctr">
-            <a:normAutofit/>
-          </a:bodyPr>
-          <a:lstStyle/>
-          <a:p>
-            <a:pPr marL="0" indent="0" algn="ctr">
-              <a:buNone/>
-            </a:pPr>
-            <a:r>
-              <a:rPr lang="en-US" sz="4400" dirty="0" smtClean="0">
-                <a:hlinkClick r:id="rId2"/>
-              </a:rPr>
-              <a:t>bit.ly/coderetreat2017</a:t>
-            </a:r>
-            <a:r>
-              <a:rPr lang="ru-RU" sz="4400" dirty="0" smtClean="0"/>
-              <a:t> </a:t>
-            </a:r>
-            <a:endParaRPr lang="ru-RU" sz="4400" dirty="0"/>
-          </a:p>
-        </p:txBody>
-      </p:sp>
-    </p:spTree>
-    <p:extLst>
-      <p:ext uri="{BB962C8B-B14F-4D97-AF65-F5344CB8AC3E}">
-        <p14:creationId xmlns:p14="http://schemas.microsoft.com/office/powerpoint/2010/main" val="1183618766"/>
-      </p:ext>
-    </p:extLst>
-  </p:cSld>
-  <p:clrMapOvr>
-    <a:masterClrMapping/>
-  </p:clrMapOvr>
-</p:sld>
-</file>
-
-<file path=ppt/slides/slide11.xml><?xml version="1.0" encoding="utf-8"?>
-<p:sld xmlns:a="http://schemas.openxmlformats.org/drawingml/2006/main" xmlns:r="http://schemas.openxmlformats.org/officeDocument/2006/relationships" xmlns:p="http://schemas.openxmlformats.org/presentationml/2006/main">
-  <p:cSld>
-    <p:spTree>
-      <p:nvGrpSpPr>
-        <p:cNvPr id="1" name=""/>
-        <p:cNvGrpSpPr/>
-        <p:nvPr/>
-      </p:nvGrpSpPr>
-      <p:grpSpPr>
-        <a:xfrm>
-          <a:off x="0" y="0"/>
-          <a:ext cx="0" cy="0"/>
-          <a:chOff x="0" y="0"/>
-          <a:chExt cx="0" cy="0"/>
-        </a:xfrm>
-      </p:grpSpPr>
-      <p:sp>
-        <p:nvSpPr>
-          <p:cNvPr id="2" name="Заголовок 1"/>
-          <p:cNvSpPr>
-            <a:spLocks noGrp="1"/>
-          </p:cNvSpPr>
-          <p:nvPr>
-            <p:ph type="title"/>
-          </p:nvPr>
-        </p:nvSpPr>
-        <p:spPr/>
-        <p:txBody>
-          <a:bodyPr/>
-          <a:lstStyle/>
-          <a:p>
-            <a:r>
-              <a:rPr lang="ru-RU" dirty="0" smtClean="0"/>
-              <a:t>Сессия 3</a:t>
-            </a:r>
-            <a:endParaRPr lang="ru-RU" dirty="0"/>
-          </a:p>
-        </p:txBody>
-      </p:sp>
-      <p:sp>
-        <p:nvSpPr>
-          <p:cNvPr id="3" name="Объект 2"/>
-          <p:cNvSpPr>
-            <a:spLocks noGrp="1"/>
-          </p:cNvSpPr>
-          <p:nvPr>
-            <p:ph idx="1"/>
-          </p:nvPr>
-        </p:nvSpPr>
-        <p:spPr>
-          <a:xfrm>
-            <a:off x="457200" y="1711349"/>
-            <a:ext cx="8229600" cy="4525963"/>
-          </a:xfrm>
-        </p:spPr>
-        <p:txBody>
-          <a:bodyPr/>
-          <a:lstStyle/>
-          <a:p>
-            <a:r>
-              <a:rPr lang="ru-RU" dirty="0" smtClean="0"/>
-              <a:t>Первые 10 минут нельзя программировать</a:t>
-            </a:r>
-            <a:endParaRPr lang="en-US" dirty="0" smtClean="0"/>
-          </a:p>
-          <a:p>
-            <a:r>
-              <a:rPr lang="ru-RU" dirty="0"/>
-              <a:t>Игровое поле бесконечно</a:t>
-            </a:r>
-          </a:p>
-          <a:p>
-            <a:r>
-              <a:rPr lang="ru-RU" dirty="0" smtClean="0"/>
-              <a:t>Не </a:t>
-            </a:r>
-            <a:r>
-              <a:rPr lang="ru-RU" dirty="0" smtClean="0"/>
-              <a:t>должно быть методов длиннее </a:t>
-            </a:r>
-            <a:r>
-              <a:rPr lang="en-US" dirty="0" smtClean="0"/>
-              <a:t>4</a:t>
-            </a:r>
-            <a:r>
-              <a:rPr lang="ru-RU" dirty="0" smtClean="0"/>
-              <a:t> </a:t>
-            </a:r>
-            <a:r>
-              <a:rPr lang="ru-RU" dirty="0" smtClean="0"/>
-              <a:t>строк</a:t>
-            </a:r>
-            <a:r>
-              <a:rPr lang="ru-RU" dirty="0" smtClean="0"/>
-              <a:t>.</a:t>
-            </a:r>
-            <a:endParaRPr lang="en-US" dirty="0" smtClean="0"/>
-          </a:p>
-          <a:p>
-            <a:endParaRPr lang="en-US" dirty="0" smtClean="0"/>
-          </a:p>
-          <a:p>
-            <a:endParaRPr lang="ru-RU" dirty="0" smtClean="0"/>
-          </a:p>
-          <a:p>
-            <a:pPr marL="0" indent="0">
-              <a:buNone/>
-            </a:pPr>
-            <a:endParaRPr lang="ru-RU" dirty="0"/>
-          </a:p>
-        </p:txBody>
-      </p:sp>
-      <p:sp>
-        <p:nvSpPr>
-          <p:cNvPr id="4" name="Прямоугольник 3"/>
-          <p:cNvSpPr/>
-          <p:nvPr/>
-        </p:nvSpPr>
-        <p:spPr>
-          <a:xfrm>
-            <a:off x="4788024" y="4193793"/>
-            <a:ext cx="4283968" cy="1323439"/>
-          </a:xfrm>
-          <a:prstGeom prst="rect">
-            <a:avLst/>
-          </a:prstGeom>
-        </p:spPr>
-        <p:txBody>
-          <a:bodyPr wrap="square">
-            <a:spAutoFit/>
-          </a:bodyPr>
-          <a:lstStyle/>
-          <a:p>
-            <a:r>
-              <a:rPr lang="en-US" sz="2000" dirty="0" smtClean="0"/>
-              <a:t>&lt; 2 </a:t>
-            </a:r>
-            <a:r>
-              <a:rPr lang="ru-RU" sz="2000" dirty="0" smtClean="0"/>
-              <a:t>соседей </a:t>
-            </a:r>
-            <a:r>
-              <a:rPr lang="ru-RU" sz="2000" dirty="0"/>
-              <a:t>→ смерть</a:t>
-            </a:r>
-          </a:p>
-          <a:p>
-            <a:r>
-              <a:rPr lang="en-US" sz="2000" dirty="0" smtClean="0"/>
-              <a:t>&gt; 3 </a:t>
-            </a:r>
-            <a:r>
-              <a:rPr lang="ru-RU" sz="2000" dirty="0" smtClean="0"/>
-              <a:t>соседей </a:t>
-            </a:r>
-            <a:r>
-              <a:rPr lang="ru-RU" sz="2000" dirty="0"/>
-              <a:t>→ смерть</a:t>
-            </a:r>
-          </a:p>
-          <a:p>
-            <a:r>
-              <a:rPr lang="en-US" sz="2000" dirty="0" smtClean="0"/>
-              <a:t>= 3 </a:t>
-            </a:r>
-            <a:r>
-              <a:rPr lang="ru-RU" sz="2000" dirty="0" smtClean="0"/>
-              <a:t>соседа </a:t>
-            </a:r>
-            <a:r>
-              <a:rPr lang="ru-RU" sz="2000" dirty="0"/>
-              <a:t>→ </a:t>
-            </a:r>
-            <a:r>
-              <a:rPr lang="ru-RU" sz="2000" dirty="0" smtClean="0"/>
-              <a:t>жизнь</a:t>
-            </a:r>
-          </a:p>
-          <a:p>
-            <a:r>
-              <a:rPr lang="ru-RU" sz="2000" dirty="0" smtClean="0"/>
-              <a:t>= 2 соседа → состояние</a:t>
-            </a:r>
-            <a:r>
-              <a:rPr lang="en-US" sz="2000" dirty="0" smtClean="0"/>
-              <a:t> </a:t>
-            </a:r>
-            <a:r>
-              <a:rPr lang="ru-RU" sz="2000" dirty="0" smtClean="0"/>
-              <a:t>не меняется</a:t>
-            </a:r>
-            <a:endParaRPr lang="en-US" sz="2000" dirty="0" smtClean="0"/>
-          </a:p>
-        </p:txBody>
-      </p:sp>
-      <p:pic>
-        <p:nvPicPr>
-          <p:cNvPr id="5" name="Рисунок 4"/>
-          <p:cNvPicPr>
-            <a:picLocks noChangeAspect="1"/>
-          </p:cNvPicPr>
-          <p:nvPr/>
-        </p:nvPicPr>
-        <p:blipFill>
-          <a:blip r:embed="rId2"/>
-          <a:stretch>
-            <a:fillRect/>
-          </a:stretch>
-        </p:blipFill>
-        <p:spPr>
-          <a:xfrm>
-            <a:off x="457200" y="4260199"/>
-            <a:ext cx="4162425" cy="1190625"/>
-          </a:xfrm>
-          <a:prstGeom prst="rect">
-            <a:avLst/>
-          </a:prstGeom>
-        </p:spPr>
-      </p:pic>
-    </p:spTree>
-    <p:extLst>
-      <p:ext uri="{BB962C8B-B14F-4D97-AF65-F5344CB8AC3E}">
-        <p14:creationId xmlns:p14="http://schemas.microsoft.com/office/powerpoint/2010/main" val="635541401"/>
-      </p:ext>
-    </p:extLst>
-  </p:cSld>
-  <p:clrMapOvr>
-    <a:masterClrMapping/>
-  </p:clrMapOvr>
-  <p:timing>
-    <p:tnLst>
-      <p:par>
-        <p:cTn id="1" dur="indefinite" restart="never" nodeType="tmRoot"/>
-      </p:par>
-    </p:tnLst>
-  </p:timing>
-</p:sld>
-</file>
-
-<file path=ppt/slides/slide12.xml><?xml version="1.0" encoding="utf-8"?>
-<p:sld xmlns:a="http://schemas.openxmlformats.org/drawingml/2006/main" xmlns:r="http://schemas.openxmlformats.org/officeDocument/2006/relationships" xmlns:p="http://schemas.openxmlformats.org/presentationml/2006/main">
-  <p:cSld>
-    <p:spTree>
-      <p:nvGrpSpPr>
-        <p:cNvPr id="1" name=""/>
-        <p:cNvGrpSpPr/>
-        <p:nvPr/>
-      </p:nvGrpSpPr>
-      <p:grpSpPr>
-        <a:xfrm>
-          <a:off x="0" y="0"/>
-          <a:ext cx="0" cy="0"/>
-          <a:chOff x="0" y="0"/>
-          <a:chExt cx="0" cy="0"/>
-        </a:xfrm>
-      </p:grpSpPr>
-      <p:sp>
-        <p:nvSpPr>
-          <p:cNvPr id="3" name="Объект 2"/>
-          <p:cNvSpPr>
-            <a:spLocks noGrp="1"/>
-          </p:cNvSpPr>
-          <p:nvPr>
-            <p:ph idx="1"/>
-          </p:nvPr>
-        </p:nvSpPr>
-        <p:spPr>
-          <a:xfrm>
-            <a:off x="395536" y="332657"/>
-            <a:ext cx="8229600" cy="1944216"/>
-          </a:xfrm>
-        </p:spPr>
-        <p:txBody>
-          <a:bodyPr anchor="ctr">
-            <a:normAutofit/>
-          </a:bodyPr>
-          <a:lstStyle/>
-          <a:p>
-            <a:pPr marL="0" indent="0" algn="ctr">
-              <a:buNone/>
-            </a:pPr>
-            <a:r>
-              <a:rPr lang="en-US" sz="4400" dirty="0" smtClean="0">
-                <a:hlinkClick r:id="rId2"/>
-              </a:rPr>
-              <a:t>bit.ly/coderetreat2017</a:t>
-            </a:r>
-            <a:r>
-              <a:rPr lang="ru-RU" sz="4400" dirty="0" smtClean="0"/>
-              <a:t> </a:t>
-            </a:r>
-            <a:endParaRPr lang="ru-RU" sz="4400" dirty="0"/>
-          </a:p>
-        </p:txBody>
-      </p:sp>
-      <p:pic>
-        <p:nvPicPr>
-          <p:cNvPr id="1026" name="Picture 2" descr="Картинки по запросу котик"/>
-          <p:cNvPicPr>
-            <a:picLocks noChangeAspect="1" noChangeArrowheads="1"/>
-          </p:cNvPicPr>
-          <p:nvPr/>
-        </p:nvPicPr>
-        <p:blipFill>
-          <a:blip r:embed="rId3">
-            <a:extLst>
-              <a:ext uri="{28A0092B-C50C-407E-A947-70E740481C1C}">
-                <a14:useLocalDpi xmlns:a14="http://schemas.microsoft.com/office/drawing/2010/main" val="0"/>
-              </a:ext>
-            </a:extLst>
-          </a:blip>
-          <a:srcRect/>
-          <a:stretch>
-            <a:fillRect/>
-          </a:stretch>
-        </p:blipFill>
-        <p:spPr bwMode="auto">
-          <a:xfrm>
-            <a:off x="0" y="2060848"/>
-            <a:ext cx="9312969" cy="6938162"/>
-          </a:xfrm>
-          <a:prstGeom prst="rect">
-            <a:avLst/>
-          </a:prstGeom>
-          <a:noFill/>
-          <a:extLst>
-            <a:ext uri="{909E8E84-426E-40DD-AFC4-6F175D3DCCD1}">
-              <a14:hiddenFill xmlns:a14="http://schemas.microsoft.com/office/drawing/2010/main">
-                <a:solidFill>
-                  <a:srgbClr val="FFFFFF"/>
-                </a:solidFill>
-              </a14:hiddenFill>
-            </a:ext>
-          </a:extLst>
-        </p:spPr>
-      </p:pic>
-    </p:spTree>
-    <p:extLst>
-      <p:ext uri="{BB962C8B-B14F-4D97-AF65-F5344CB8AC3E}">
-        <p14:creationId xmlns:p14="http://schemas.microsoft.com/office/powerpoint/2010/main" val="3067107926"/>
-      </p:ext>
-    </p:extLst>
-  </p:cSld>
-  <p:clrMapOvr>
-    <a:masterClrMapping/>
-  </p:clrMapOvr>
-  <p:timing>
-    <p:tnLst>
-      <p:par>
-        <p:cTn id="1" dur="indefinite" restart="never" nodeType="tmRoot"/>
-      </p:par>
-    </p:tnLst>
-  </p:timing>
-</p:sld>
-</file>
-
-<file path=ppt/slides/slide13.xml><?xml version="1.0" encoding="utf-8"?>
-<p:sld xmlns:a="http://schemas.openxmlformats.org/drawingml/2006/main" xmlns:r="http://schemas.openxmlformats.org/officeDocument/2006/relationships" xmlns:p="http://schemas.openxmlformats.org/presentationml/2006/main">
-  <p:cSld>
-    <p:spTree>
-      <p:nvGrpSpPr>
-        <p:cNvPr id="1" name=""/>
-        <p:cNvGrpSpPr/>
-        <p:nvPr/>
-      </p:nvGrpSpPr>
-      <p:grpSpPr>
-        <a:xfrm>
-          <a:off x="0" y="0"/>
-          <a:ext cx="0" cy="0"/>
-          <a:chOff x="0" y="0"/>
-          <a:chExt cx="0" cy="0"/>
-        </a:xfrm>
-      </p:grpSpPr>
-      <p:sp>
-        <p:nvSpPr>
-          <p:cNvPr id="2" name="Заголовок 1"/>
-          <p:cNvSpPr>
-            <a:spLocks noGrp="1"/>
-          </p:cNvSpPr>
-          <p:nvPr>
-            <p:ph type="title"/>
-          </p:nvPr>
-        </p:nvSpPr>
         <p:spPr/>
         <p:txBody>
           <a:bodyPr/>
@@ -4135,33 +3680,9 @@
               <a:buChar char="•"/>
             </a:pPr>
             <a:r>
-              <a:rPr lang="ru-RU" dirty="0" smtClean="0"/>
-              <a:t>Без мышки / </a:t>
-            </a:r>
-            <a:r>
-              <a:rPr lang="ru-RU" dirty="0" err="1" smtClean="0"/>
-              <a:t>тачпада</a:t>
-            </a:r>
-            <a:r>
-              <a:rPr lang="ru-RU" dirty="0" smtClean="0"/>
-              <a:t> / </a:t>
-            </a:r>
-            <a:r>
-              <a:rPr lang="ru-RU" dirty="0" err="1" smtClean="0"/>
-              <a:t>трекпоинта</a:t>
-            </a:r>
-            <a:r>
               <a:rPr lang="ru-RU" dirty="0"/>
-              <a:t/>
-            </a:r>
-            <a:br>
-              <a:rPr lang="ru-RU" dirty="0"/>
-            </a:br>
-            <a:r>
-              <a:rPr lang="ru-RU" dirty="0" smtClean="0"/>
-              <a:t>или хотя бы без правой кнопки мыши</a:t>
-            </a:r>
-            <a:endParaRPr lang="ru-RU" dirty="0" smtClean="0"/>
+              <a:t>Обобщите правила игры жизнь!</a:t>
+            </a:r>
           </a:p>
           <a:p>
             <a:pPr>
@@ -4170,16 +3691,57 @@
             </a:pPr>
             <a:r>
               <a:rPr lang="ru-RU" dirty="0" smtClean="0"/>
-              <a:t>Возможность отката игры назад на несколько ходов</a:t>
-            </a:r>
-            <a:endParaRPr lang="en-US" dirty="0" smtClean="0"/>
-          </a:p>
-          <a:p>
-            <a:pPr>
+              <a:t>На </a:t>
+            </a:r>
+            <a:r>
+              <a:rPr lang="ru-RU" dirty="0"/>
+              <a:t>выбор:</a:t>
+            </a:r>
+          </a:p>
+          <a:p>
+            <a:pPr lvl="1">
               <a:buFont typeface="Arial" charset="0"/>
               <a:buChar char="•"/>
             </a:pPr>
-            <a:endParaRPr lang="en-US" dirty="0" smtClean="0"/>
+            <a:r>
+              <a:rPr lang="ru-RU" dirty="0"/>
+              <a:t>Без циклов</a:t>
+            </a:r>
+          </a:p>
+          <a:p>
+            <a:pPr lvl="1">
+              <a:buFont typeface="Arial" charset="0"/>
+              <a:buChar char="•"/>
+            </a:pPr>
+            <a:r>
+              <a:rPr lang="ru-RU" dirty="0"/>
+              <a:t>Без переменных</a:t>
+            </a:r>
+          </a:p>
+          <a:p>
+            <a:pPr lvl="1">
+              <a:buFont typeface="Arial" charset="0"/>
+              <a:buChar char="•"/>
+            </a:pPr>
+            <a:r>
+              <a:rPr lang="ru-RU" dirty="0"/>
+              <a:t>Без условных операторов</a:t>
+            </a:r>
+          </a:p>
+          <a:p>
+            <a:pPr lvl="1">
+              <a:buFont typeface="Arial" charset="0"/>
+              <a:buChar char="•"/>
+            </a:pPr>
+            <a:r>
+              <a:rPr lang="ru-RU" dirty="0"/>
+              <a:t>Без методов кроме </a:t>
+            </a:r>
+            <a:r>
+              <a:rPr lang="en-US" dirty="0"/>
+              <a:t>Main</a:t>
+            </a:r>
+            <a:endParaRPr lang="ru-RU" dirty="0"/>
           </a:p>
           <a:p>
             <a:pPr>
@@ -4325,127 +3887,41 @@
           </p:spPr>
         </p:pic>
       </p:grpSp>
+      <p:sp>
+        <p:nvSpPr>
+          <p:cNvPr id="8" name="Прямоугольник 7"/>
+          <p:cNvSpPr/>
+          <p:nvPr/>
+        </p:nvSpPr>
+        <p:spPr>
+          <a:xfrm>
+            <a:off x="7571184" y="661472"/>
+            <a:ext cx="1115616" cy="369332"/>
+          </a:xfrm>
+          <a:prstGeom prst="rect">
+            <a:avLst/>
+          </a:prstGeom>
+        </p:spPr>
+        <p:txBody>
+          <a:bodyPr wrap="square">
+            <a:spAutoFit/>
+          </a:bodyPr>
+          <a:lstStyle/>
+          <a:p>
+            <a:r>
+              <a:rPr lang="ru-RU" dirty="0" smtClean="0">
+                <a:hlinkClick r:id="rId3"/>
+              </a:rPr>
+              <a:t>Таймер</a:t>
+            </a:r>
+            <a:endParaRPr lang="ru-RU" dirty="0"/>
+          </a:p>
+        </p:txBody>
+      </p:sp>
     </p:spTree>
     <p:extLst>
       <p:ext uri="{BB962C8B-B14F-4D97-AF65-F5344CB8AC3E}">
         <p14:creationId xmlns:p14="http://schemas.microsoft.com/office/powerpoint/2010/main" val="1035229762"/>
-      </p:ext>
-    </p:extLst>
-  </p:cSld>
-  <p:clrMapOvr>
-    <a:masterClrMapping/>
-  </p:clrMapOvr>
-  <p:timing>
-    <p:tnLst>
-      <p:par>
-        <p:cTn id="1" dur="indefinite" restart="never" nodeType="tmRoot"/>
-      </p:par>
-    </p:tnLst>
-  </p:timing>
-</p:sld>
-</file>
-
-<file path=ppt/slides/slide14.xml><?xml version="1.0" encoding="utf-8"?>
-<p:sld xmlns:a="http://schemas.openxmlformats.org/drawingml/2006/main" xmlns:r="http://schemas.openxmlformats.org/officeDocument/2006/relationships" xmlns:p="http://schemas.openxmlformats.org/presentationml/2006/main">
-  <p:cSld>
-    <p:spTree>
-      <p:nvGrpSpPr>
-        <p:cNvPr id="1" name=""/>
-        <p:cNvGrpSpPr/>
-        <p:nvPr/>
-      </p:nvGrpSpPr>
-      <p:grpSpPr>
-        <a:xfrm>
-          <a:off x="0" y="0"/>
-          <a:ext cx="0" cy="0"/>
-          <a:chOff x="0" y="0"/>
-          <a:chExt cx="0" cy="0"/>
-        </a:xfrm>
-      </p:grpSpPr>
-      <p:sp>
-        <p:nvSpPr>
-          <p:cNvPr id="3" name="Объект 2"/>
-          <p:cNvSpPr>
-            <a:spLocks noGrp="1"/>
-          </p:cNvSpPr>
-          <p:nvPr>
-            <p:ph idx="1"/>
-          </p:nvPr>
-        </p:nvSpPr>
-        <p:spPr>
-          <a:xfrm>
-            <a:off x="395536" y="332657"/>
-            <a:ext cx="8229600" cy="1944216"/>
-          </a:xfrm>
-        </p:spPr>
-        <p:txBody>
-          <a:bodyPr anchor="ctr">
-            <a:normAutofit/>
-          </a:bodyPr>
-          <a:lstStyle/>
-          <a:p>
-            <a:pPr marL="0" indent="0" algn="ctr">
-              <a:buNone/>
-            </a:pPr>
-            <a:r>
-              <a:rPr lang="en-US" sz="4400" dirty="0" smtClean="0">
-                <a:hlinkClick r:id="rId2"/>
-              </a:rPr>
-              <a:t>bit.ly/coderetreat2017</a:t>
-            </a:r>
-            <a:r>
-              <a:rPr lang="ru-RU" sz="4400" dirty="0" smtClean="0"/>
-              <a:t> </a:t>
-            </a:r>
-            <a:endParaRPr lang="ru-RU" sz="4400" dirty="0"/>
-          </a:p>
-        </p:txBody>
-      </p:sp>
-      <p:pic>
-        <p:nvPicPr>
-          <p:cNvPr id="2052" name="Picture 4" descr="Картинки по запросу линус одобряет"/>
-          <p:cNvPicPr>
-            <a:picLocks noChangeAspect="1" noChangeArrowheads="1"/>
-          </p:cNvPicPr>
-          <p:nvPr/>
-        </p:nvPicPr>
-        <p:blipFill>
-          <a:blip r:embed="rId3">
-            <a:extLst>
-              <a:ext uri="{28A0092B-C50C-407E-A947-70E740481C1C}">
-                <a14:useLocalDpi xmlns:a14="http://schemas.microsoft.com/office/drawing/2010/main" val="0"/>
-              </a:ext>
-            </a:extLst>
-          </a:blip>
-          <a:srcRect/>
-          <a:stretch>
-            <a:fillRect/>
-          </a:stretch>
-        </p:blipFill>
-        <p:spPr bwMode="auto">
-          <a:xfrm>
-            <a:off x="1043608" y="1916832"/>
-            <a:ext cx="6912768" cy="4612328"/>
-          </a:xfrm>
-          <a:prstGeom prst="rect">
-            <a:avLst/>
-          </a:prstGeom>
-          <a:noFill/>
-          <a:extLst>
-            <a:ext uri="{909E8E84-426E-40DD-AFC4-6F175D3DCCD1}">
-              <a14:hiddenFill xmlns:a14="http://schemas.microsoft.com/office/drawing/2010/main">
-                <a:solidFill>
-                  <a:srgbClr val="FFFFFF"/>
-                </a:solidFill>
-              </a14:hiddenFill>
-            </a:ext>
-          </a:extLst>
-        </p:spPr>
-      </p:pic>
-    </p:spTree>
-    <p:extLst>
-      <p:ext uri="{BB962C8B-B14F-4D97-AF65-F5344CB8AC3E}">
-        <p14:creationId xmlns:p14="http://schemas.microsoft.com/office/powerpoint/2010/main" val="4004088173"/>
       </p:ext>
     </p:extLst>
   </p:cSld>
@@ -4479,51 +3955,74 @@
           <a:chExt cx="0" cy="0"/>
         </a:xfrm>
       </p:grpSpPr>
-      <p:pic>
-        <p:nvPicPr>
-          <p:cNvPr id="1026" name="Picture 2" descr="http://wpapers.ru/wallpapers/Moods/9314/1280x1024_%D0%A0%D0%B5%D0%BB%D1%8C%D1%81%D1%8B.jpg"/>
-          <p:cNvPicPr>
-            <a:picLocks noChangeAspect="1" noChangeArrowheads="1"/>
-          </p:cNvPicPr>
-          <p:nvPr/>
-        </p:nvPicPr>
-        <p:blipFill>
-          <a:blip r:embed="rId2">
-            <a:extLst>
-              <a:ext uri="{28A0092B-C50C-407E-A947-70E740481C1C}">
-                <a14:useLocalDpi xmlns:a14="http://schemas.microsoft.com/office/drawing/2010/main" val="0"/>
-              </a:ext>
-            </a:extLst>
-          </a:blip>
-          <a:srcRect/>
-          <a:stretch>
-            <a:fillRect/>
-          </a:stretch>
-        </p:blipFill>
-        <p:spPr bwMode="auto">
-          <a:xfrm>
-            <a:off x="0" y="-387424"/>
-            <a:ext cx="9144000" cy="7315200"/>
-          </a:xfrm>
-          <a:prstGeom prst="rect">
-            <a:avLst/>
-          </a:prstGeom>
-          <a:noFill/>
-          <a:extLst>
-            <a:ext uri="{909E8E84-426E-40DD-AFC4-6F175D3DCCD1}">
-              <a14:hiddenFill xmlns:a14="http://schemas.microsoft.com/office/drawing/2010/main">
-                <a:solidFill>
-                  <a:srgbClr val="FFFFFF"/>
-                </a:solidFill>
-              </a14:hiddenFill>
-            </a:ext>
-          </a:extLst>
-        </p:spPr>
-      </p:pic>
+      <p:sp>
+        <p:nvSpPr>
+          <p:cNvPr id="2" name="Заголовок 1"/>
+          <p:cNvSpPr>
+            <a:spLocks noGrp="1"/>
+          </p:cNvSpPr>
+          <p:nvPr>
+            <p:ph type="title"/>
+          </p:nvPr>
+        </p:nvSpPr>
+        <p:spPr/>
+        <p:txBody>
+          <a:bodyPr/>
+          <a:lstStyle/>
+          <a:p>
+            <a:r>
+              <a:rPr lang="en-US" dirty="0" smtClean="0"/>
+              <a:t>Code Retreat</a:t>
+            </a:r>
+            <a:endParaRPr lang="ru-RU" dirty="0"/>
+          </a:p>
+        </p:txBody>
+      </p:sp>
+      <p:sp>
+        <p:nvSpPr>
+          <p:cNvPr id="3" name="Объект 2"/>
+          <p:cNvSpPr>
+            <a:spLocks noGrp="1"/>
+          </p:cNvSpPr>
+          <p:nvPr>
+            <p:ph idx="1"/>
+          </p:nvPr>
+        </p:nvSpPr>
+        <p:spPr/>
+        <p:txBody>
+          <a:bodyPr>
+            <a:normAutofit/>
+          </a:bodyPr>
+          <a:lstStyle/>
+          <a:p>
+            <a:r>
+              <a:rPr lang="ru-RU" dirty="0"/>
+              <a:t>Исследуем </a:t>
+            </a:r>
+            <a:r>
+              <a:rPr lang="ru-RU" dirty="0" smtClean="0"/>
+              <a:t>задачу</a:t>
+            </a:r>
+            <a:endParaRPr lang="ru-RU" dirty="0"/>
+          </a:p>
+          <a:p>
+            <a:r>
+              <a:rPr lang="ru-RU" dirty="0" smtClean="0"/>
+              <a:t>Пробуем новые практики</a:t>
+            </a:r>
+          </a:p>
+          <a:p>
+            <a:r>
+              <a:rPr lang="ru-RU" dirty="0" smtClean="0"/>
+              <a:t>Учимся друг у друга</a:t>
+            </a:r>
+          </a:p>
+        </p:txBody>
+      </p:sp>
     </p:spTree>
     <p:extLst>
       <p:ext uri="{BB962C8B-B14F-4D97-AF65-F5344CB8AC3E}">
-        <p14:creationId xmlns:p14="http://schemas.microsoft.com/office/powerpoint/2010/main" val="345958515"/>
+        <p14:creationId xmlns:p14="http://schemas.microsoft.com/office/powerpoint/2010/main" val="2533253494"/>
       </p:ext>
     </p:extLst>
   </p:cSld>
@@ -4533,9 +4032,182 @@
   <p:timing>
     <p:tnLst>
       <p:par>
-        <p:cTn id="1" dur="indefinite" restart="never" nodeType="tmRoot"/>
+        <p:cTn id="1" dur="indefinite" restart="never" nodeType="tmRoot">
+          <p:childTnLst>
+            <p:seq concurrent="1" nextAc="seek">
+              <p:cTn id="2" dur="indefinite" nodeType="mainSeq">
+                <p:childTnLst>
+                  <p:par>
+                    <p:cTn id="3" fill="hold">
+                      <p:stCondLst>
+                        <p:cond delay="indefinite"/>
+                      </p:stCondLst>
+                      <p:childTnLst>
+                        <p:par>
+                          <p:cTn id="4" fill="hold">
+                            <p:stCondLst>
+                              <p:cond delay="0"/>
+                            </p:stCondLst>
+                            <p:childTnLst>
+                              <p:par>
+                                <p:cTn id="5" presetID="1" presetClass="entr" presetSubtype="0" fill="hold" grpId="0" nodeType="clickEffect">
+                                  <p:stCondLst>
+                                    <p:cond delay="0"/>
+                                  </p:stCondLst>
+                                  <p:childTnLst>
+                                    <p:set>
+                                      <p:cBhvr>
+                                        <p:cTn id="6" dur="1" fill="hold">
+                                          <p:stCondLst>
+                                            <p:cond delay="0"/>
+                                          </p:stCondLst>
+                                        </p:cTn>
+                                        <p:tgtEl>
+                                          <p:spTgt spid="3">
+                                            <p:txEl>
+                                              <p:pRg st="0" end="0"/>
+                                            </p:txEl>
+                                          </p:spTgt>
+                                        </p:tgtEl>
+                                        <p:attrNameLst>
+                                          <p:attrName>style.visibility</p:attrName>
+                                        </p:attrNameLst>
+                                      </p:cBhvr>
+                                      <p:to>
+                                        <p:strVal val="visible"/>
+                                      </p:to>
+                                    </p:set>
+                                  </p:childTnLst>
+                                </p:cTn>
+                              </p:par>
+                            </p:childTnLst>
+                          </p:cTn>
+                        </p:par>
+                      </p:childTnLst>
+                    </p:cTn>
+                  </p:par>
+                  <p:par>
+                    <p:cTn id="7" fill="hold">
+                      <p:stCondLst>
+                        <p:cond delay="indefinite"/>
+                      </p:stCondLst>
+                      <p:childTnLst>
+                        <p:par>
+                          <p:cTn id="8" fill="hold">
+                            <p:stCondLst>
+                              <p:cond delay="0"/>
+                            </p:stCondLst>
+                            <p:childTnLst>
+                              <p:par>
+                                <p:cTn id="9" presetID="1" presetClass="entr" presetSubtype="0" fill="hold" grpId="0" nodeType="clickEffect">
+                                  <p:stCondLst>
+                                    <p:cond delay="0"/>
+                                  </p:stCondLst>
+                                  <p:childTnLst>
+                                    <p:set>
+                                      <p:cBhvr>
+                                        <p:cTn id="10" dur="1" fill="hold">
+                                          <p:stCondLst>
+                                            <p:cond delay="0"/>
+                                          </p:stCondLst>
+                                        </p:cTn>
+                                        <p:tgtEl>
+                                          <p:spTgt spid="3">
+                                            <p:txEl>
+                                              <p:pRg st="1" end="1"/>
+                                            </p:txEl>
+                                          </p:spTgt>
+                                        </p:tgtEl>
+                                        <p:attrNameLst>
+                                          <p:attrName>style.visibility</p:attrName>
+                                        </p:attrNameLst>
+                                      </p:cBhvr>
+                                      <p:to>
+                                        <p:strVal val="visible"/>
+                                      </p:to>
+                                    </p:set>
+                                  </p:childTnLst>
+                                </p:cTn>
+                              </p:par>
+                            </p:childTnLst>
+                          </p:cTn>
+                        </p:par>
+                      </p:childTnLst>
+                    </p:cTn>
+                  </p:par>
+                  <p:par>
+                    <p:cTn id="11" fill="hold">
+                      <p:stCondLst>
+                        <p:cond delay="indefinite"/>
+                      </p:stCondLst>
+                      <p:childTnLst>
+                        <p:par>
+                          <p:cTn id="12" fill="hold">
+                            <p:stCondLst>
+                              <p:cond delay="0"/>
+                            </p:stCondLst>
+                            <p:childTnLst>
+                              <p:par>
+                                <p:cTn id="13" presetID="1" presetClass="entr" presetSubtype="0" fill="hold" grpId="0" nodeType="clickEffect">
+                                  <p:stCondLst>
+                                    <p:cond delay="0"/>
+                                  </p:stCondLst>
+                                  <p:childTnLst>
+                                    <p:set>
+                                      <p:cBhvr>
+                                        <p:cTn id="14" dur="1" fill="hold">
+                                          <p:stCondLst>
+                                            <p:cond delay="0"/>
+                                          </p:stCondLst>
+                                        </p:cTn>
+                                        <p:tgtEl>
+                                          <p:spTgt spid="3">
+                                            <p:txEl>
+                                              <p:pRg st="2" end="2"/>
+                                            </p:txEl>
+                                          </p:spTgt>
+                                        </p:tgtEl>
+                                        <p:attrNameLst>
+                                          <p:attrName>style.visibility</p:attrName>
+                                        </p:attrNameLst>
+                                      </p:cBhvr>
+                                      <p:to>
+                                        <p:strVal val="visible"/>
+                                      </p:to>
+                                    </p:set>
+                                  </p:childTnLst>
+                                </p:cTn>
+                              </p:par>
+                            </p:childTnLst>
+                          </p:cTn>
+                        </p:par>
+                      </p:childTnLst>
+                    </p:cTn>
+                  </p:par>
+                </p:childTnLst>
+              </p:cTn>
+              <p:prevCondLst>
+                <p:cond evt="onPrev" delay="0">
+                  <p:tgtEl>
+                    <p:sldTgt/>
+                  </p:tgtEl>
+                </p:cond>
+              </p:prevCondLst>
+              <p:nextCondLst>
+                <p:cond evt="onNext" delay="0">
+                  <p:tgtEl>
+                    <p:sldTgt/>
+                  </p:tgtEl>
+                </p:cond>
+              </p:nextCondLst>
+            </p:seq>
+          </p:childTnLst>
+        </p:cTn>
       </p:par>
     </p:tnLst>
+    <p:bldLst>
+      <p:bldP spid="3" grpId="0" build="p"/>
+    </p:bldLst>
   </p:timing>
 </p:sld>
 </file>
@@ -4603,19 +4275,19 @@
           <a:p>
             <a:r>
               <a:rPr lang="ru-RU" dirty="0" smtClean="0"/>
-              <a:t>4 сессии кодирования по 45 минут.</a:t>
+              <a:t>4 сессии кодирования по 45 минут</a:t>
             </a:r>
           </a:p>
           <a:p>
             <a:r>
               <a:rPr lang="ru-RU" dirty="0" smtClean="0"/>
-              <a:t>В парах.</a:t>
+              <a:t>В парах</a:t>
             </a:r>
           </a:p>
           <a:p>
             <a:r>
               <a:rPr lang="ru-RU" dirty="0" smtClean="0"/>
-              <a:t>Каждую сессию пары меняются.</a:t>
+              <a:t>Каждую сессию пары меняются</a:t>
             </a:r>
           </a:p>
           <a:p>
@@ -4629,7 +4301,6 @@
               <a:rPr lang="ru-RU" dirty="0" smtClean="0"/>
               <a:t>Когда освоитесь, пишите тесты</a:t>
             </a:r>
-            <a:endParaRPr lang="ru-RU" dirty="0" smtClean="0"/>
           </a:p>
           <a:p>
             <a:r>
@@ -4648,7 +4319,7 @@
     </p:spTree>
     <p:extLst>
       <p:ext uri="{BB962C8B-B14F-4D97-AF65-F5344CB8AC3E}">
-        <p14:creationId xmlns:p14="http://schemas.microsoft.com/office/powerpoint/2010/main" val="2533253494"/>
+        <p14:creationId xmlns:p14="http://schemas.microsoft.com/office/powerpoint/2010/main" val="95778077"/>
       </p:ext>
     </p:extLst>
   </p:cSld>
@@ -6211,13 +5882,19 @@
           <a:p>
             <a:r>
               <a:rPr lang="ru-RU" dirty="0" smtClean="0"/>
-              <a:t>Освойтесь с задачей.</a:t>
+              <a:t>Освойтесь с задачей</a:t>
             </a:r>
           </a:p>
           <a:p>
             <a:r>
               <a:rPr lang="ru-RU" dirty="0" smtClean="0"/>
-              <a:t>Запрограммируйте что-нибудь.</a:t>
+              <a:t>Запрограммируйте что-нибудь</a:t>
+            </a:r>
+          </a:p>
+          <a:p>
+            <a:r>
+              <a:rPr lang="ru-RU" dirty="0" smtClean="0"/>
+              <a:t>Не начинайте с визуализации</a:t>
             </a:r>
             <a:endParaRPr lang="en-US" dirty="0" smtClean="0"/>
           </a:p>
@@ -6248,7 +5925,7 @@
         </p:nvSpPr>
         <p:spPr>
           <a:xfrm>
-            <a:off x="4788024" y="4121785"/>
+            <a:off x="4788024" y="4437112"/>
             <a:ext cx="4283968" cy="1323439"/>
           </a:xfrm>
           <a:prstGeom prst="rect">
@@ -6339,7 +6016,7 @@
         </p:blipFill>
         <p:spPr>
           <a:xfrm>
-            <a:off x="457200" y="4188191"/>
+            <a:off x="457200" y="4503518"/>
             <a:ext cx="4162425" cy="1190625"/>
           </a:xfrm>
           <a:prstGeom prst="rect">
@@ -6347,6 +6024,37 @@
           </a:prstGeom>
         </p:spPr>
       </p:pic>
+      <p:sp>
+        <p:nvSpPr>
+          <p:cNvPr id="5" name="Прямоугольник 4"/>
+          <p:cNvSpPr/>
+          <p:nvPr/>
+        </p:nvSpPr>
+        <p:spPr>
+          <a:xfrm>
+            <a:off x="7571184" y="661472"/>
+            <a:ext cx="1115616" cy="369332"/>
+          </a:xfrm>
+          <a:prstGeom prst="rect">
+            <a:avLst/>
+          </a:prstGeom>
+        </p:spPr>
+        <p:txBody>
+          <a:bodyPr wrap="square">
+            <a:spAutoFit/>
+          </a:bodyPr>
+          <a:lstStyle/>
+          <a:p>
+            <a:r>
+              <a:rPr lang="ru-RU" dirty="0" smtClean="0">
+                <a:hlinkClick r:id="rId3"/>
+              </a:rPr>
+              <a:t>Таймер</a:t>
+            </a:r>
+            <a:endParaRPr lang="ru-RU" dirty="0"/>
+          </a:p>
+        </p:txBody>
+      </p:sp>
     </p:spTree>
     <p:extLst>
       <p:ext uri="{BB962C8B-B14F-4D97-AF65-F5344CB8AC3E}">
@@ -6394,107 +6102,6 @@
             <p:ph type="title"/>
           </p:nvPr>
         </p:nvSpPr>
-        <p:spPr>
-          <a:xfrm>
-            <a:off x="457200" y="274638"/>
-            <a:ext cx="8229600" cy="1714202"/>
-          </a:xfrm>
-        </p:spPr>
-        <p:txBody>
-          <a:bodyPr>
-            <a:normAutofit/>
-          </a:bodyPr>
-          <a:lstStyle/>
-          <a:p>
-            <a:r>
-              <a:rPr lang="ru-RU" dirty="0" smtClean="0"/>
-              <a:t>Заполните анкету </a:t>
-            </a:r>
-            <a:br>
-              <a:rPr lang="ru-RU" dirty="0" smtClean="0"/>
-            </a:br>
-            <a:r>
-              <a:rPr lang="ru-RU" dirty="0" smtClean="0"/>
-              <a:t>про эту сессию!</a:t>
-            </a:r>
-            <a:endParaRPr lang="ru-RU" dirty="0"/>
-          </a:p>
-        </p:txBody>
-      </p:sp>
-      <p:sp>
-        <p:nvSpPr>
-          <p:cNvPr id="3" name="Объект 2"/>
-          <p:cNvSpPr>
-            <a:spLocks noGrp="1"/>
-          </p:cNvSpPr>
-          <p:nvPr>
-            <p:ph idx="1"/>
-          </p:nvPr>
-        </p:nvSpPr>
-        <p:spPr/>
-        <p:txBody>
-          <a:bodyPr anchor="ctr">
-            <a:normAutofit/>
-          </a:bodyPr>
-          <a:lstStyle/>
-          <a:p>
-            <a:pPr marL="0" indent="0" algn="ctr">
-              <a:buNone/>
-            </a:pPr>
-            <a:r>
-              <a:rPr lang="en-US" sz="4400" dirty="0" smtClean="0">
-                <a:hlinkClick r:id="rId2"/>
-              </a:rPr>
-              <a:t>bit.ly/coderetreat2017</a:t>
-            </a:r>
-            <a:r>
-              <a:rPr lang="ru-RU" sz="4400" dirty="0" smtClean="0"/>
-              <a:t> </a:t>
-            </a:r>
-            <a:endParaRPr lang="ru-RU" sz="4400" dirty="0"/>
-          </a:p>
-        </p:txBody>
-      </p:sp>
-    </p:spTree>
-    <p:extLst>
-      <p:ext uri="{BB962C8B-B14F-4D97-AF65-F5344CB8AC3E}">
-        <p14:creationId xmlns:p14="http://schemas.microsoft.com/office/powerpoint/2010/main" val="2320318109"/>
-      </p:ext>
-    </p:extLst>
-  </p:cSld>
-  <p:clrMapOvr>
-    <a:masterClrMapping/>
-  </p:clrMapOvr>
-</p:sld>
-</file>
-
-<file path=ppt/slides/slide9.xml><?xml version="1.0" encoding="utf-8"?>
-<p:sld xmlns:a="http://schemas.openxmlformats.org/drawingml/2006/main" xmlns:r="http://schemas.openxmlformats.org/officeDocument/2006/relationships" xmlns:p="http://schemas.openxmlformats.org/presentationml/2006/main">
-  <p:cSld>
-    <p:spTree>
-      <p:nvGrpSpPr>
-        <p:cNvPr id="1" name=""/>
-        <p:cNvGrpSpPr/>
-        <p:nvPr/>
-      </p:nvGrpSpPr>
-      <p:grpSpPr>
-        <a:xfrm>
-          <a:off x="0" y="0"/>
-          <a:ext cx="0" cy="0"/>
-          <a:chOff x="0" y="0"/>
-          <a:chExt cx="0" cy="0"/>
-        </a:xfrm>
-      </p:grpSpPr>
-      <p:sp>
-        <p:nvSpPr>
-          <p:cNvPr id="2" name="Заголовок 1"/>
-          <p:cNvSpPr>
-            <a:spLocks noGrp="1"/>
-          </p:cNvSpPr>
-          <p:nvPr>
-            <p:ph type="title"/>
-          </p:nvPr>
-        </p:nvSpPr>
         <p:spPr/>
         <p:txBody>
           <a:bodyPr/>
@@ -6686,10 +6293,300 @@
           </a:prstGeom>
         </p:spPr>
       </p:pic>
+      <p:sp>
+        <p:nvSpPr>
+          <p:cNvPr id="7" name="Прямоугольник 6"/>
+          <p:cNvSpPr/>
+          <p:nvPr/>
+        </p:nvSpPr>
+        <p:spPr>
+          <a:xfrm>
+            <a:off x="7571184" y="661472"/>
+            <a:ext cx="1115616" cy="369332"/>
+          </a:xfrm>
+          <a:prstGeom prst="rect">
+            <a:avLst/>
+          </a:prstGeom>
+        </p:spPr>
+        <p:txBody>
+          <a:bodyPr wrap="square">
+            <a:spAutoFit/>
+          </a:bodyPr>
+          <a:lstStyle/>
+          <a:p>
+            <a:r>
+              <a:rPr lang="ru-RU" dirty="0" smtClean="0">
+                <a:hlinkClick r:id="rId3"/>
+              </a:rPr>
+              <a:t>Таймер</a:t>
+            </a:r>
+            <a:endParaRPr lang="ru-RU" dirty="0"/>
+          </a:p>
+        </p:txBody>
+      </p:sp>
     </p:spTree>
     <p:extLst>
       <p:ext uri="{BB962C8B-B14F-4D97-AF65-F5344CB8AC3E}">
         <p14:creationId xmlns:p14="http://schemas.microsoft.com/office/powerpoint/2010/main" val="2258234124"/>
+      </p:ext>
+    </p:extLst>
+  </p:cSld>
+  <p:clrMapOvr>
+    <a:masterClrMapping/>
+  </p:clrMapOvr>
+  <p:timing>
+    <p:tnLst>
+      <p:par>
+        <p:cTn id="1" dur="indefinite" restart="never" nodeType="tmRoot"/>
+      </p:par>
+    </p:tnLst>
+  </p:timing>
+</p:sld>
+</file>
+
+<file path=ppt/slides/slide9.xml><?xml version="1.0" encoding="utf-8"?>
+<p:sld xmlns:a="http://schemas.openxmlformats.org/drawingml/2006/main" xmlns:r="http://schemas.openxmlformats.org/officeDocument/2006/relationships" xmlns:p="http://schemas.openxmlformats.org/presentationml/2006/main">
+  <p:cSld>
+    <p:spTree>
+      <p:nvGrpSpPr>
+        <p:cNvPr id="1" name=""/>
+        <p:cNvGrpSpPr/>
+        <p:nvPr/>
+      </p:nvGrpSpPr>
+      <p:grpSpPr>
+        <a:xfrm>
+          <a:off x="0" y="0"/>
+          <a:ext cx="0" cy="0"/>
+          <a:chOff x="0" y="0"/>
+          <a:chExt cx="0" cy="0"/>
+        </a:xfrm>
+      </p:grpSpPr>
+      <p:sp>
+        <p:nvSpPr>
+          <p:cNvPr id="2" name="Заголовок 1"/>
+          <p:cNvSpPr>
+            <a:spLocks noGrp="1"/>
+          </p:cNvSpPr>
+          <p:nvPr>
+            <p:ph type="title"/>
+          </p:nvPr>
+        </p:nvSpPr>
+        <p:spPr/>
+        <p:txBody>
+          <a:bodyPr/>
+          <a:lstStyle/>
+          <a:p>
+            <a:r>
+              <a:rPr lang="ru-RU" dirty="0" smtClean="0"/>
+              <a:t>Сессия 3</a:t>
+            </a:r>
+            <a:endParaRPr lang="ru-RU" dirty="0"/>
+          </a:p>
+        </p:txBody>
+      </p:sp>
+      <p:sp>
+        <p:nvSpPr>
+          <p:cNvPr id="3" name="Объект 2"/>
+          <p:cNvSpPr>
+            <a:spLocks noGrp="1"/>
+          </p:cNvSpPr>
+          <p:nvPr>
+            <p:ph idx="1"/>
+          </p:nvPr>
+        </p:nvSpPr>
+        <p:spPr>
+          <a:xfrm>
+            <a:off x="457200" y="1711349"/>
+            <a:ext cx="8229600" cy="4525963"/>
+          </a:xfrm>
+        </p:spPr>
+        <p:txBody>
+          <a:bodyPr/>
+          <a:lstStyle/>
+          <a:p>
+            <a:r>
+              <a:rPr lang="ru-RU" dirty="0" smtClean="0"/>
+              <a:t>Первые 10 минут нельзя программировать</a:t>
+            </a:r>
+            <a:endParaRPr lang="en-US" dirty="0" smtClean="0"/>
+          </a:p>
+          <a:p>
+            <a:r>
+              <a:rPr lang="ru-RU" dirty="0"/>
+              <a:t>Игровое поле бесконечно</a:t>
+            </a:r>
+          </a:p>
+          <a:p>
+            <a:r>
+              <a:rPr lang="ru-RU" dirty="0" smtClean="0"/>
+              <a:t>Не должно быть методов длиннее </a:t>
+            </a:r>
+            <a:r>
+              <a:rPr lang="en-US" dirty="0" smtClean="0"/>
+              <a:t>4</a:t>
+            </a:r>
+            <a:r>
+              <a:rPr lang="ru-RU" dirty="0" smtClean="0"/>
+              <a:t> строк.</a:t>
+            </a:r>
+            <a:endParaRPr lang="en-US" dirty="0" smtClean="0"/>
+          </a:p>
+          <a:p>
+            <a:endParaRPr lang="en-US" dirty="0" smtClean="0"/>
+          </a:p>
+          <a:p>
+            <a:endParaRPr lang="ru-RU" dirty="0" smtClean="0"/>
+          </a:p>
+          <a:p>
+            <a:pPr marL="0" indent="0">
+              <a:buNone/>
+            </a:pPr>
+            <a:endParaRPr lang="ru-RU" dirty="0"/>
+          </a:p>
+        </p:txBody>
+      </p:sp>
+      <p:sp>
+        <p:nvSpPr>
+          <p:cNvPr id="4" name="Прямоугольник 3"/>
+          <p:cNvSpPr/>
+          <p:nvPr/>
+        </p:nvSpPr>
+        <p:spPr>
+          <a:xfrm>
+            <a:off x="4788024" y="4193793"/>
+            <a:ext cx="4283968" cy="1323439"/>
+          </a:xfrm>
+          <a:prstGeom prst="rect">
+            <a:avLst/>
+          </a:prstGeom>
+        </p:spPr>
+        <p:txBody>
+          <a:bodyPr wrap="square">
+            <a:spAutoFit/>
+          </a:bodyPr>
+          <a:lstStyle/>
+          <a:p>
+            <a:r>
+              <a:rPr lang="en-US" sz="2000" dirty="0" smtClean="0"/>
+              <a:t>&lt; 2 </a:t>
+            </a:r>
+            <a:r>
+              <a:rPr lang="ru-RU" sz="2000" dirty="0" smtClean="0"/>
+              <a:t>соседей </a:t>
+            </a:r>
+            <a:r>
+              <a:rPr lang="ru-RU" sz="2000" dirty="0"/>
+              <a:t>→ смерть</a:t>
+            </a:r>
+          </a:p>
+          <a:p>
+            <a:r>
+              <a:rPr lang="en-US" sz="2000" dirty="0" smtClean="0"/>
+              <a:t>&gt; 3 </a:t>
+            </a:r>
+            <a:r>
+              <a:rPr lang="ru-RU" sz="2000" dirty="0" smtClean="0"/>
+              <a:t>соседей </a:t>
+            </a:r>
+            <a:r>
+              <a:rPr lang="ru-RU" sz="2000" dirty="0"/>
+              <a:t>→ смерть</a:t>
+            </a:r>
+          </a:p>
+          <a:p>
+            <a:r>
+              <a:rPr lang="en-US" sz="2000" dirty="0" smtClean="0"/>
+              <a:t>= 3 </a:t>
+            </a:r>
+            <a:r>
+              <a:rPr lang="ru-RU" sz="2000" dirty="0" smtClean="0"/>
+              <a:t>соседа </a:t>
+            </a:r>
+            <a:r>
+              <a:rPr lang="ru-RU" sz="2000" dirty="0"/>
+              <a:t>→ </a:t>
+            </a:r>
+            <a:r>
+              <a:rPr lang="ru-RU" sz="2000" dirty="0" smtClean="0"/>
+              <a:t>жизнь</a:t>
+            </a:r>
+          </a:p>
+          <a:p>
+            <a:r>
+              <a:rPr lang="ru-RU" sz="2000" dirty="0" smtClean="0"/>
+              <a:t>= 2 соседа → состояние</a:t>
+            </a:r>
+            <a:r>
+              <a:rPr lang="en-US" sz="2000" dirty="0" smtClean="0"/>
+              <a:t> </a:t>
+            </a:r>
+            <a:r>
+              <a:rPr lang="ru-RU" sz="2000" dirty="0" smtClean="0"/>
+              <a:t>не меняется</a:t>
+            </a:r>
+            <a:endParaRPr lang="en-US" sz="2000" dirty="0" smtClean="0"/>
+          </a:p>
+        </p:txBody>
+      </p:sp>
+      <p:pic>
+        <p:nvPicPr>
+          <p:cNvPr id="5" name="Рисунок 4"/>
+          <p:cNvPicPr>
+            <a:picLocks noChangeAspect="1"/>
+          </p:cNvPicPr>
+          <p:nvPr/>
+        </p:nvPicPr>
+        <p:blipFill>
+          <a:blip r:embed="rId2"/>
+          <a:stretch>
+            <a:fillRect/>
+          </a:stretch>
+        </p:blipFill>
+        <p:spPr>
+          <a:xfrm>
+            <a:off x="457200" y="4260199"/>
+            <a:ext cx="4162425" cy="1190625"/>
+          </a:xfrm>
+          <a:prstGeom prst="rect">
+            <a:avLst/>
+          </a:prstGeom>
+        </p:spPr>
+      </p:pic>
+      <p:sp>
+        <p:nvSpPr>
+          <p:cNvPr id="7" name="Прямоугольник 6"/>
+          <p:cNvSpPr/>
+          <p:nvPr/>
+        </p:nvSpPr>
+        <p:spPr>
+          <a:xfrm>
+            <a:off x="7571184" y="661472"/>
+            <a:ext cx="1115616" cy="369332"/>
+          </a:xfrm>
+          <a:prstGeom prst="rect">
+            <a:avLst/>
+          </a:prstGeom>
+        </p:spPr>
+        <p:txBody>
+          <a:bodyPr wrap="square">
+            <a:spAutoFit/>
+          </a:bodyPr>
+          <a:lstStyle/>
+          <a:p>
+            <a:r>
+              <a:rPr lang="ru-RU" dirty="0" smtClean="0">
+                <a:hlinkClick r:id="rId3"/>
+              </a:rPr>
+              <a:t>Таймер</a:t>
+            </a:r>
+            <a:endParaRPr lang="ru-RU" dirty="0"/>
+          </a:p>
+        </p:txBody>
+      </p:sp>
+    </p:spTree>
+    <p:extLst>
+      <p:ext uri="{BB962C8B-B14F-4D97-AF65-F5344CB8AC3E}">
+        <p14:creationId xmlns:p14="http://schemas.microsoft.com/office/powerpoint/2010/main" val="635541401"/>
       </p:ext>
     </p:extLst>
   </p:cSld>

--- a/coderetreat/CodeRetreat.pptx
+++ b/coderetreat/CodeRetreat.pptx
@@ -5,7 +5,7 @@
     <p:sldMasterId id="2147483780" r:id="rId1"/>
   </p:sldMasterIdLst>
   <p:notesMasterIdLst>
-    <p:notesMasterId r:id="rId12"/>
+    <p:notesMasterId r:id="rId13"/>
   </p:notesMasterIdLst>
   <p:sldIdLst>
     <p:sldId id="256" r:id="rId2"/>
@@ -15,9 +15,10 @@
     <p:sldId id="262" r:id="rId6"/>
     <p:sldId id="259" r:id="rId7"/>
     <p:sldId id="264" r:id="rId8"/>
-    <p:sldId id="265" r:id="rId9"/>
-    <p:sldId id="266" r:id="rId10"/>
-    <p:sldId id="267" r:id="rId11"/>
+    <p:sldId id="269" r:id="rId9"/>
+    <p:sldId id="265" r:id="rId10"/>
+    <p:sldId id="266" r:id="rId11"/>
+    <p:sldId id="267" r:id="rId12"/>
   </p:sldIdLst>
   <p:sldSz cx="9144000" cy="6858000" type="screen4x3"/>
   <p:notesSz cx="6858000" cy="9144000"/>
@@ -217,7 +218,7 @@
           <a:p>
             <a:fld id="{16E5F246-0B7D-44DF-8C1B-EDFCA5DA626A}" type="datetimeFigureOut">
               <a:rPr lang="ru-RU" smtClean="0"/>
-              <a:t>31.03.2018</a:t>
+              <a:t>15.04.2018</a:t>
             </a:fld>
             <a:endParaRPr lang="ru-RU"/>
           </a:p>
@@ -750,7 +751,7 @@
           <a:p>
             <a:fld id="{ED7A5A9E-355E-4F5A-82F5-195339D13266}" type="datetimeFigureOut">
               <a:rPr lang="ru-RU" smtClean="0"/>
-              <a:t>31.03.2018</a:t>
+              <a:t>15.04.2018</a:t>
             </a:fld>
             <a:endParaRPr lang="ru-RU"/>
           </a:p>
@@ -920,7 +921,7 @@
           <a:p>
             <a:fld id="{ED7A5A9E-355E-4F5A-82F5-195339D13266}" type="datetimeFigureOut">
               <a:rPr lang="ru-RU" smtClean="0"/>
-              <a:t>31.03.2018</a:t>
+              <a:t>15.04.2018</a:t>
             </a:fld>
             <a:endParaRPr lang="ru-RU"/>
           </a:p>
@@ -1100,7 +1101,7 @@
           <a:p>
             <a:fld id="{ED7A5A9E-355E-4F5A-82F5-195339D13266}" type="datetimeFigureOut">
               <a:rPr lang="ru-RU" smtClean="0"/>
-              <a:t>31.03.2018</a:t>
+              <a:t>15.04.2018</a:t>
             </a:fld>
             <a:endParaRPr lang="ru-RU"/>
           </a:p>
@@ -1270,7 +1271,7 @@
           <a:p>
             <a:fld id="{ED7A5A9E-355E-4F5A-82F5-195339D13266}" type="datetimeFigureOut">
               <a:rPr lang="ru-RU" smtClean="0"/>
-              <a:t>31.03.2018</a:t>
+              <a:t>15.04.2018</a:t>
             </a:fld>
             <a:endParaRPr lang="ru-RU"/>
           </a:p>
@@ -1516,7 +1517,7 @@
           <a:p>
             <a:fld id="{ED7A5A9E-355E-4F5A-82F5-195339D13266}" type="datetimeFigureOut">
               <a:rPr lang="ru-RU" smtClean="0"/>
-              <a:t>31.03.2018</a:t>
+              <a:t>15.04.2018</a:t>
             </a:fld>
             <a:endParaRPr lang="ru-RU"/>
           </a:p>
@@ -1804,7 +1805,7 @@
           <a:p>
             <a:fld id="{ED7A5A9E-355E-4F5A-82F5-195339D13266}" type="datetimeFigureOut">
               <a:rPr lang="ru-RU" smtClean="0"/>
-              <a:t>31.03.2018</a:t>
+              <a:t>15.04.2018</a:t>
             </a:fld>
             <a:endParaRPr lang="ru-RU"/>
           </a:p>
@@ -2226,7 +2227,7 @@
           <a:p>
             <a:fld id="{ED7A5A9E-355E-4F5A-82F5-195339D13266}" type="datetimeFigureOut">
               <a:rPr lang="ru-RU" smtClean="0"/>
-              <a:t>31.03.2018</a:t>
+              <a:t>15.04.2018</a:t>
             </a:fld>
             <a:endParaRPr lang="ru-RU"/>
           </a:p>
@@ -2344,7 +2345,7 @@
           <a:p>
             <a:fld id="{ED7A5A9E-355E-4F5A-82F5-195339D13266}" type="datetimeFigureOut">
               <a:rPr lang="ru-RU" smtClean="0"/>
-              <a:t>31.03.2018</a:t>
+              <a:t>15.04.2018</a:t>
             </a:fld>
             <a:endParaRPr lang="ru-RU"/>
           </a:p>
@@ -2439,7 +2440,7 @@
           <a:p>
             <a:fld id="{ED7A5A9E-355E-4F5A-82F5-195339D13266}" type="datetimeFigureOut">
               <a:rPr lang="ru-RU" smtClean="0"/>
-              <a:t>31.03.2018</a:t>
+              <a:t>15.04.2018</a:t>
             </a:fld>
             <a:endParaRPr lang="ru-RU"/>
           </a:p>
@@ -2716,7 +2717,7 @@
           <a:p>
             <a:fld id="{ED7A5A9E-355E-4F5A-82F5-195339D13266}" type="datetimeFigureOut">
               <a:rPr lang="ru-RU" smtClean="0"/>
-              <a:t>31.03.2018</a:t>
+              <a:t>15.04.2018</a:t>
             </a:fld>
             <a:endParaRPr lang="ru-RU"/>
           </a:p>
@@ -2969,7 +2970,7 @@
           <a:p>
             <a:fld id="{ED7A5A9E-355E-4F5A-82F5-195339D13266}" type="datetimeFigureOut">
               <a:rPr lang="ru-RU" smtClean="0"/>
-              <a:t>31.03.2018</a:t>
+              <a:t>15.04.2018</a:t>
             </a:fld>
             <a:endParaRPr lang="ru-RU"/>
           </a:p>
@@ -3182,7 +3183,7 @@
           <a:p>
             <a:fld id="{ED7A5A9E-355E-4F5A-82F5-195339D13266}" type="datetimeFigureOut">
               <a:rPr lang="ru-RU" smtClean="0"/>
-              <a:t>31.03.2018</a:t>
+              <a:t>15.04.2018</a:t>
             </a:fld>
             <a:endParaRPr lang="ru-RU"/>
           </a:p>
@@ -3614,6 +3615,265 @@
 </file>
 
 <file path=ppt/slides/slide10.xml><?xml version="1.0" encoding="utf-8"?>
+<p:sld xmlns:a="http://schemas.openxmlformats.org/drawingml/2006/main" xmlns:r="http://schemas.openxmlformats.org/officeDocument/2006/relationships" xmlns:p="http://schemas.openxmlformats.org/presentationml/2006/main">
+  <p:cSld>
+    <p:spTree>
+      <p:nvGrpSpPr>
+        <p:cNvPr id="1" name=""/>
+        <p:cNvGrpSpPr/>
+        <p:nvPr/>
+      </p:nvGrpSpPr>
+      <p:grpSpPr>
+        <a:xfrm>
+          <a:off x="0" y="0"/>
+          <a:ext cx="0" cy="0"/>
+          <a:chOff x="0" y="0"/>
+          <a:chExt cx="0" cy="0"/>
+        </a:xfrm>
+      </p:grpSpPr>
+      <p:sp>
+        <p:nvSpPr>
+          <p:cNvPr id="2" name="Заголовок 1"/>
+          <p:cNvSpPr>
+            <a:spLocks noGrp="1"/>
+          </p:cNvSpPr>
+          <p:nvPr>
+            <p:ph type="title"/>
+          </p:nvPr>
+        </p:nvSpPr>
+        <p:spPr/>
+        <p:txBody>
+          <a:bodyPr/>
+          <a:lstStyle/>
+          <a:p>
+            <a:r>
+              <a:rPr lang="ru-RU" dirty="0" smtClean="0"/>
+              <a:t>Сессия 3</a:t>
+            </a:r>
+            <a:endParaRPr lang="ru-RU" dirty="0"/>
+          </a:p>
+        </p:txBody>
+      </p:sp>
+      <p:sp>
+        <p:nvSpPr>
+          <p:cNvPr id="3" name="Объект 2"/>
+          <p:cNvSpPr>
+            <a:spLocks noGrp="1"/>
+          </p:cNvSpPr>
+          <p:nvPr>
+            <p:ph idx="1"/>
+          </p:nvPr>
+        </p:nvSpPr>
+        <p:spPr>
+          <a:xfrm>
+            <a:off x="457200" y="1711349"/>
+            <a:ext cx="8229600" cy="4525963"/>
+          </a:xfrm>
+        </p:spPr>
+        <p:txBody>
+          <a:bodyPr/>
+          <a:lstStyle/>
+          <a:p>
+            <a:r>
+              <a:rPr lang="ru-RU" dirty="0" smtClean="0"/>
+              <a:t>Первые 10 минут нельзя программировать</a:t>
+            </a:r>
+            <a:endParaRPr lang="en-US" dirty="0" smtClean="0"/>
+          </a:p>
+          <a:p>
+            <a:r>
+              <a:rPr lang="ru-RU" dirty="0"/>
+              <a:t>Игровое поле бесконечно</a:t>
+            </a:r>
+          </a:p>
+          <a:p>
+            <a:r>
+              <a:rPr lang="ru-RU" dirty="0" smtClean="0"/>
+              <a:t>Не должно быть методов длиннее </a:t>
+            </a:r>
+            <a:r>
+              <a:rPr lang="en-US" dirty="0" smtClean="0"/>
+              <a:t>4</a:t>
+            </a:r>
+            <a:r>
+              <a:rPr lang="ru-RU" dirty="0" smtClean="0"/>
+              <a:t> строк.</a:t>
+            </a:r>
+            <a:endParaRPr lang="en-US" dirty="0" smtClean="0"/>
+          </a:p>
+          <a:p>
+            <a:endParaRPr lang="en-US" dirty="0" smtClean="0"/>
+          </a:p>
+          <a:p>
+            <a:endParaRPr lang="ru-RU" dirty="0" smtClean="0"/>
+          </a:p>
+          <a:p>
+            <a:pPr marL="0" indent="0">
+              <a:buNone/>
+            </a:pPr>
+            <a:endParaRPr lang="ru-RU" dirty="0"/>
+          </a:p>
+        </p:txBody>
+      </p:sp>
+      <p:sp>
+        <p:nvSpPr>
+          <p:cNvPr id="4" name="Прямоугольник 3"/>
+          <p:cNvSpPr/>
+          <p:nvPr/>
+        </p:nvSpPr>
+        <p:spPr>
+          <a:xfrm>
+            <a:off x="4788024" y="4193793"/>
+            <a:ext cx="4283968" cy="1323439"/>
+          </a:xfrm>
+          <a:prstGeom prst="rect">
+            <a:avLst/>
+          </a:prstGeom>
+        </p:spPr>
+        <p:txBody>
+          <a:bodyPr wrap="square">
+            <a:spAutoFit/>
+          </a:bodyPr>
+          <a:lstStyle/>
+          <a:p>
+            <a:r>
+              <a:rPr lang="en-US" sz="2000" dirty="0" smtClean="0"/>
+              <a:t>&lt; 2 </a:t>
+            </a:r>
+            <a:r>
+              <a:rPr lang="ru-RU" sz="2000" dirty="0" smtClean="0"/>
+              <a:t>соседей </a:t>
+            </a:r>
+            <a:r>
+              <a:rPr lang="ru-RU" sz="2000" dirty="0"/>
+              <a:t>→ смерть</a:t>
+            </a:r>
+          </a:p>
+          <a:p>
+            <a:r>
+              <a:rPr lang="en-US" sz="2000" dirty="0" smtClean="0"/>
+              <a:t>&gt; 3 </a:t>
+            </a:r>
+            <a:r>
+              <a:rPr lang="ru-RU" sz="2000" dirty="0" smtClean="0"/>
+              <a:t>соседей </a:t>
+            </a:r>
+            <a:r>
+              <a:rPr lang="ru-RU" sz="2000" dirty="0"/>
+              <a:t>→ смерть</a:t>
+            </a:r>
+          </a:p>
+          <a:p>
+            <a:r>
+              <a:rPr lang="en-US" sz="2000" dirty="0" smtClean="0"/>
+              <a:t>= 3 </a:t>
+            </a:r>
+            <a:r>
+              <a:rPr lang="ru-RU" sz="2000" dirty="0" smtClean="0"/>
+              <a:t>соседа </a:t>
+            </a:r>
+            <a:r>
+              <a:rPr lang="ru-RU" sz="2000" dirty="0"/>
+              <a:t>→ </a:t>
+            </a:r>
+            <a:r>
+              <a:rPr lang="ru-RU" sz="2000" dirty="0" smtClean="0"/>
+              <a:t>жизнь</a:t>
+            </a:r>
+          </a:p>
+          <a:p>
+            <a:r>
+              <a:rPr lang="ru-RU" sz="2000" dirty="0" smtClean="0"/>
+              <a:t>= 2 соседа → состояние</a:t>
+            </a:r>
+            <a:r>
+              <a:rPr lang="en-US" sz="2000" dirty="0" smtClean="0"/>
+              <a:t> </a:t>
+            </a:r>
+            <a:r>
+              <a:rPr lang="ru-RU" sz="2000" dirty="0" smtClean="0"/>
+              <a:t>не меняется</a:t>
+            </a:r>
+            <a:endParaRPr lang="en-US" sz="2000" dirty="0" smtClean="0"/>
+          </a:p>
+        </p:txBody>
+      </p:sp>
+      <p:pic>
+        <p:nvPicPr>
+          <p:cNvPr id="5" name="Рисунок 4"/>
+          <p:cNvPicPr>
+            <a:picLocks noChangeAspect="1"/>
+          </p:cNvPicPr>
+          <p:nvPr/>
+        </p:nvPicPr>
+        <p:blipFill>
+          <a:blip r:embed="rId2"/>
+          <a:stretch>
+            <a:fillRect/>
+          </a:stretch>
+        </p:blipFill>
+        <p:spPr>
+          <a:xfrm>
+            <a:off x="457200" y="4260199"/>
+            <a:ext cx="4162425" cy="1190625"/>
+          </a:xfrm>
+          <a:prstGeom prst="rect">
+            <a:avLst/>
+          </a:prstGeom>
+        </p:spPr>
+      </p:pic>
+      <p:sp>
+        <p:nvSpPr>
+          <p:cNvPr id="7" name="Прямоугольник 6"/>
+          <p:cNvSpPr/>
+          <p:nvPr/>
+        </p:nvSpPr>
+        <p:spPr>
+          <a:xfrm>
+            <a:off x="7571184" y="661472"/>
+            <a:ext cx="1115616" cy="369332"/>
+          </a:xfrm>
+          <a:prstGeom prst="rect">
+            <a:avLst/>
+          </a:prstGeom>
+        </p:spPr>
+        <p:txBody>
+          <a:bodyPr wrap="square">
+            <a:spAutoFit/>
+          </a:bodyPr>
+          <a:lstStyle/>
+          <a:p>
+            <a:r>
+              <a:rPr lang="ru-RU" dirty="0" smtClean="0">
+                <a:hlinkClick r:id="rId3"/>
+              </a:rPr>
+              <a:t>Таймер</a:t>
+            </a:r>
+            <a:endParaRPr lang="ru-RU" dirty="0"/>
+          </a:p>
+        </p:txBody>
+      </p:sp>
+    </p:spTree>
+    <p:extLst>
+      <p:ext uri="{BB962C8B-B14F-4D97-AF65-F5344CB8AC3E}">
+        <p14:creationId xmlns:p14="http://schemas.microsoft.com/office/powerpoint/2010/main" val="635541401"/>
+      </p:ext>
+    </p:extLst>
+  </p:cSld>
+  <p:clrMapOvr>
+    <a:masterClrMapping/>
+  </p:clrMapOvr>
+  <p:timing>
+    <p:tnLst>
+      <p:par>
+        <p:cTn id="1" dur="indefinite" restart="never" nodeType="tmRoot"/>
+      </p:par>
+    </p:tnLst>
+  </p:timing>
+</p:sld>
+</file>
+
+<file path=ppt/slides/slide11.xml><?xml version="1.0" encoding="utf-8"?>
 <p:sld xmlns:a="http://schemas.openxmlformats.org/drawingml/2006/main" xmlns:r="http://schemas.openxmlformats.org/officeDocument/2006/relationships" xmlns:p="http://schemas.openxmlformats.org/presentationml/2006/main">
   <p:cSld>
     <p:spTree>
@@ -5875,20 +6135,19 @@
             <p:ph idx="1"/>
           </p:nvPr>
         </p:nvSpPr>
-        <p:spPr/>
+        <p:spPr>
+          <a:xfrm>
+            <a:off x="457200" y="1340768"/>
+            <a:ext cx="8229600" cy="4785395"/>
+          </a:xfrm>
+        </p:spPr>
         <p:txBody>
           <a:bodyPr/>
           <a:lstStyle/>
           <a:p>
             <a:r>
               <a:rPr lang="ru-RU" dirty="0" smtClean="0"/>
-              <a:t>Освойтесь с задачей</a:t>
-            </a:r>
-          </a:p>
-          <a:p>
-            <a:r>
-              <a:rPr lang="ru-RU" dirty="0" smtClean="0"/>
-              <a:t>Запрограммируйте что-нибудь</a:t>
+              <a:t>Запрограммируйте логику игры</a:t>
             </a:r>
           </a:p>
           <a:p>
@@ -5909,8 +6168,53 @@
             </a:r>
             <a:r>
               <a:rPr lang="ru-RU" dirty="0"/>
-              <a:t> минут — смена человека за клавиатурой</a:t>
-            </a:r>
+              <a:t> минут — смена </a:t>
+            </a:r>
+            <a:r>
+              <a:rPr lang="ru-RU" dirty="0" smtClean="0"/>
+              <a:t>кодера</a:t>
+            </a:r>
+          </a:p>
+          <a:p>
+            <a:r>
+              <a:rPr lang="ru-RU" dirty="0" err="1" smtClean="0"/>
+              <a:t>Порефакторите</a:t>
+            </a:r>
+            <a:r>
+              <a:rPr lang="ru-RU" dirty="0" smtClean="0"/>
+              <a:t> в последние 10 минут!</a:t>
+            </a:r>
+            <a:endParaRPr lang="en-US" dirty="0" smtClean="0"/>
+          </a:p>
+          <a:p>
+            <a:pPr lvl="1"/>
+            <a:r>
+              <a:rPr lang="en-US" sz="2400" dirty="0" err="1" smtClean="0"/>
+              <a:t>Ctrl+R+R</a:t>
+            </a:r>
+            <a:r>
+              <a:rPr lang="en-US" sz="2400" dirty="0" smtClean="0"/>
+              <a:t> — Rename</a:t>
+            </a:r>
+          </a:p>
+          <a:p>
+            <a:pPr lvl="1"/>
+            <a:r>
+              <a:rPr lang="en-US" sz="2400" dirty="0" err="1" smtClean="0"/>
+              <a:t>Ctrl+R+M</a:t>
+            </a:r>
+            <a:r>
+              <a:rPr lang="en-US" sz="2400" dirty="0" smtClean="0"/>
+              <a:t> — Extract Method</a:t>
+            </a:r>
+            <a:r>
+              <a:rPr lang="ru-RU" sz="2400" dirty="0" smtClean="0"/>
+              <a:t/>
+            </a:r>
+            <a:br>
+              <a:rPr lang="ru-RU" sz="2400" dirty="0" smtClean="0"/>
+            </a:br>
+            <a:endParaRPr lang="ru-RU" dirty="0"/>
           </a:p>
           <a:p>
             <a:endParaRPr lang="ru-RU" dirty="0"/>
@@ -6107,6 +6411,74 @@
           <a:bodyPr/>
           <a:lstStyle/>
           <a:p>
+            <a:endParaRPr lang="ru-RU"/>
+          </a:p>
+        </p:txBody>
+      </p:sp>
+      <p:sp>
+        <p:nvSpPr>
+          <p:cNvPr id="3" name="Объект 2"/>
+          <p:cNvSpPr>
+            <a:spLocks noGrp="1"/>
+          </p:cNvSpPr>
+          <p:nvPr>
+            <p:ph idx="1"/>
+          </p:nvPr>
+        </p:nvSpPr>
+        <p:spPr/>
+        <p:txBody>
+          <a:bodyPr/>
+          <a:lstStyle/>
+          <a:p>
+            <a:endParaRPr lang="ru-RU"/>
+          </a:p>
+        </p:txBody>
+      </p:sp>
+    </p:spTree>
+    <p:extLst>
+      <p:ext uri="{BB962C8B-B14F-4D97-AF65-F5344CB8AC3E}">
+        <p14:creationId xmlns:p14="http://schemas.microsoft.com/office/powerpoint/2010/main" val="3857584199"/>
+      </p:ext>
+    </p:extLst>
+  </p:cSld>
+  <p:clrMapOvr>
+    <a:masterClrMapping/>
+  </p:clrMapOvr>
+</p:sld>
+</file>
+
+<file path=ppt/slides/slide9.xml><?xml version="1.0" encoding="utf-8"?>
+<p:sld xmlns:a="http://schemas.openxmlformats.org/drawingml/2006/main" xmlns:r="http://schemas.openxmlformats.org/officeDocument/2006/relationships" xmlns:p="http://schemas.openxmlformats.org/presentationml/2006/main">
+  <p:cSld>
+    <p:spTree>
+      <p:nvGrpSpPr>
+        <p:cNvPr id="1" name=""/>
+        <p:cNvGrpSpPr/>
+        <p:nvPr/>
+      </p:nvGrpSpPr>
+      <p:grpSpPr>
+        <a:xfrm>
+          <a:off x="0" y="0"/>
+          <a:ext cx="0" cy="0"/>
+          <a:chOff x="0" y="0"/>
+          <a:chExt cx="0" cy="0"/>
+        </a:xfrm>
+      </p:grpSpPr>
+      <p:sp>
+        <p:nvSpPr>
+          <p:cNvPr id="2" name="Заголовок 1"/>
+          <p:cNvSpPr>
+            <a:spLocks noGrp="1"/>
+          </p:cNvSpPr>
+          <p:nvPr>
+            <p:ph type="title"/>
+          </p:nvPr>
+        </p:nvSpPr>
+        <p:spPr/>
+        <p:txBody>
+          <a:bodyPr/>
+          <a:lstStyle/>
+          <a:p>
             <a:r>
               <a:rPr lang="ru-RU" dirty="0" smtClean="0"/>
               <a:t>Сессия 2</a:t>
@@ -6171,8 +6543,8 @@
           </a:p>
           <a:p>
             <a:r>
-              <a:rPr lang="ru-RU" dirty="0"/>
-              <a:t>5</a:t>
+              <a:rPr lang="en-US" dirty="0"/>
+              <a:t>3</a:t>
             </a:r>
             <a:r>
               <a:rPr lang="ru-RU" dirty="0" smtClean="0"/>
@@ -6328,265 +6700,6 @@
     <p:extLst>
       <p:ext uri="{BB962C8B-B14F-4D97-AF65-F5344CB8AC3E}">
         <p14:creationId xmlns:p14="http://schemas.microsoft.com/office/powerpoint/2010/main" val="2258234124"/>
-      </p:ext>
-    </p:extLst>
-  </p:cSld>
-  <p:clrMapOvr>
-    <a:masterClrMapping/>
-  </p:clrMapOvr>
-  <p:timing>
-    <p:tnLst>
-      <p:par>
-        <p:cTn id="1" dur="indefinite" restart="never" nodeType="tmRoot"/>
-      </p:par>
-    </p:tnLst>
-  </p:timing>
-</p:sld>
-</file>
-
-<file path=ppt/slides/slide9.xml><?xml version="1.0" encoding="utf-8"?>
-<p:sld xmlns:a="http://schemas.openxmlformats.org/drawingml/2006/main" xmlns:r="http://schemas.openxmlformats.org/officeDocument/2006/relationships" xmlns:p="http://schemas.openxmlformats.org/presentationml/2006/main">
-  <p:cSld>
-    <p:spTree>
-      <p:nvGrpSpPr>
-        <p:cNvPr id="1" name=""/>
-        <p:cNvGrpSpPr/>
-        <p:nvPr/>
-      </p:nvGrpSpPr>
-      <p:grpSpPr>
-        <a:xfrm>
-          <a:off x="0" y="0"/>
-          <a:ext cx="0" cy="0"/>
-          <a:chOff x="0" y="0"/>
-          <a:chExt cx="0" cy="0"/>
-        </a:xfrm>
-      </p:grpSpPr>
-      <p:sp>
-        <p:nvSpPr>
-          <p:cNvPr id="2" name="Заголовок 1"/>
-          <p:cNvSpPr>
-            <a:spLocks noGrp="1"/>
-          </p:cNvSpPr>
-          <p:nvPr>
-            <p:ph type="title"/>
-          </p:nvPr>
-        </p:nvSpPr>
-        <p:spPr/>
-        <p:txBody>
-          <a:bodyPr/>
-          <a:lstStyle/>
-          <a:p>
-            <a:r>
-              <a:rPr lang="ru-RU" dirty="0" smtClean="0"/>
-              <a:t>Сессия 3</a:t>
-            </a:r>
-            <a:endParaRPr lang="ru-RU" dirty="0"/>
-          </a:p>
-        </p:txBody>
-      </p:sp>
-      <p:sp>
-        <p:nvSpPr>
-          <p:cNvPr id="3" name="Объект 2"/>
-          <p:cNvSpPr>
-            <a:spLocks noGrp="1"/>
-          </p:cNvSpPr>
-          <p:nvPr>
-            <p:ph idx="1"/>
-          </p:nvPr>
-        </p:nvSpPr>
-        <p:spPr>
-          <a:xfrm>
-            <a:off x="457200" y="1711349"/>
-            <a:ext cx="8229600" cy="4525963"/>
-          </a:xfrm>
-        </p:spPr>
-        <p:txBody>
-          <a:bodyPr/>
-          <a:lstStyle/>
-          <a:p>
-            <a:r>
-              <a:rPr lang="ru-RU" dirty="0" smtClean="0"/>
-              <a:t>Первые 10 минут нельзя программировать</a:t>
-            </a:r>
-            <a:endParaRPr lang="en-US" dirty="0" smtClean="0"/>
-          </a:p>
-          <a:p>
-            <a:r>
-              <a:rPr lang="ru-RU" dirty="0"/>
-              <a:t>Игровое поле бесконечно</a:t>
-            </a:r>
-          </a:p>
-          <a:p>
-            <a:r>
-              <a:rPr lang="ru-RU" dirty="0" smtClean="0"/>
-              <a:t>Не должно быть методов длиннее </a:t>
-            </a:r>
-            <a:r>
-              <a:rPr lang="en-US" dirty="0" smtClean="0"/>
-              <a:t>4</a:t>
-            </a:r>
-            <a:r>
-              <a:rPr lang="ru-RU" dirty="0" smtClean="0"/>
-              <a:t> строк.</a:t>
-            </a:r>
-            <a:endParaRPr lang="en-US" dirty="0" smtClean="0"/>
-          </a:p>
-          <a:p>
-            <a:endParaRPr lang="en-US" dirty="0" smtClean="0"/>
-          </a:p>
-          <a:p>
-            <a:endParaRPr lang="ru-RU" dirty="0" smtClean="0"/>
-          </a:p>
-          <a:p>
-            <a:pPr marL="0" indent="0">
-              <a:buNone/>
-            </a:pPr>
-            <a:endParaRPr lang="ru-RU" dirty="0"/>
-          </a:p>
-        </p:txBody>
-      </p:sp>
-      <p:sp>
-        <p:nvSpPr>
-          <p:cNvPr id="4" name="Прямоугольник 3"/>
-          <p:cNvSpPr/>
-          <p:nvPr/>
-        </p:nvSpPr>
-        <p:spPr>
-          <a:xfrm>
-            <a:off x="4788024" y="4193793"/>
-            <a:ext cx="4283968" cy="1323439"/>
-          </a:xfrm>
-          <a:prstGeom prst="rect">
-            <a:avLst/>
-          </a:prstGeom>
-        </p:spPr>
-        <p:txBody>
-          <a:bodyPr wrap="square">
-            <a:spAutoFit/>
-          </a:bodyPr>
-          <a:lstStyle/>
-          <a:p>
-            <a:r>
-              <a:rPr lang="en-US" sz="2000" dirty="0" smtClean="0"/>
-              <a:t>&lt; 2 </a:t>
-            </a:r>
-            <a:r>
-              <a:rPr lang="ru-RU" sz="2000" dirty="0" smtClean="0"/>
-              <a:t>соседей </a:t>
-            </a:r>
-            <a:r>
-              <a:rPr lang="ru-RU" sz="2000" dirty="0"/>
-              <a:t>→ смерть</a:t>
-            </a:r>
-          </a:p>
-          <a:p>
-            <a:r>
-              <a:rPr lang="en-US" sz="2000" dirty="0" smtClean="0"/>
-              <a:t>&gt; 3 </a:t>
-            </a:r>
-            <a:r>
-              <a:rPr lang="ru-RU" sz="2000" dirty="0" smtClean="0"/>
-              <a:t>соседей </a:t>
-            </a:r>
-            <a:r>
-              <a:rPr lang="ru-RU" sz="2000" dirty="0"/>
-              <a:t>→ смерть</a:t>
-            </a:r>
-          </a:p>
-          <a:p>
-            <a:r>
-              <a:rPr lang="en-US" sz="2000" dirty="0" smtClean="0"/>
-              <a:t>= 3 </a:t>
-            </a:r>
-            <a:r>
-              <a:rPr lang="ru-RU" sz="2000" dirty="0" smtClean="0"/>
-              <a:t>соседа </a:t>
-            </a:r>
-            <a:r>
-              <a:rPr lang="ru-RU" sz="2000" dirty="0"/>
-              <a:t>→ </a:t>
-            </a:r>
-            <a:r>
-              <a:rPr lang="ru-RU" sz="2000" dirty="0" smtClean="0"/>
-              <a:t>жизнь</a:t>
-            </a:r>
-          </a:p>
-          <a:p>
-            <a:r>
-              <a:rPr lang="ru-RU" sz="2000" dirty="0" smtClean="0"/>
-              <a:t>= 2 соседа → состояние</a:t>
-            </a:r>
-            <a:r>
-              <a:rPr lang="en-US" sz="2000" dirty="0" smtClean="0"/>
-              <a:t> </a:t>
-            </a:r>
-            <a:r>
-              <a:rPr lang="ru-RU" sz="2000" dirty="0" smtClean="0"/>
-              <a:t>не меняется</a:t>
-            </a:r>
-            <a:endParaRPr lang="en-US" sz="2000" dirty="0" smtClean="0"/>
-          </a:p>
-        </p:txBody>
-      </p:sp>
-      <p:pic>
-        <p:nvPicPr>
-          <p:cNvPr id="5" name="Рисунок 4"/>
-          <p:cNvPicPr>
-            <a:picLocks noChangeAspect="1"/>
-          </p:cNvPicPr>
-          <p:nvPr/>
-        </p:nvPicPr>
-        <p:blipFill>
-          <a:blip r:embed="rId2"/>
-          <a:stretch>
-            <a:fillRect/>
-          </a:stretch>
-        </p:blipFill>
-        <p:spPr>
-          <a:xfrm>
-            <a:off x="457200" y="4260199"/>
-            <a:ext cx="4162425" cy="1190625"/>
-          </a:xfrm>
-          <a:prstGeom prst="rect">
-            <a:avLst/>
-          </a:prstGeom>
-        </p:spPr>
-      </p:pic>
-      <p:sp>
-        <p:nvSpPr>
-          <p:cNvPr id="7" name="Прямоугольник 6"/>
-          <p:cNvSpPr/>
-          <p:nvPr/>
-        </p:nvSpPr>
-        <p:spPr>
-          <a:xfrm>
-            <a:off x="7571184" y="661472"/>
-            <a:ext cx="1115616" cy="369332"/>
-          </a:xfrm>
-          <a:prstGeom prst="rect">
-            <a:avLst/>
-          </a:prstGeom>
-        </p:spPr>
-        <p:txBody>
-          <a:bodyPr wrap="square">
-            <a:spAutoFit/>
-          </a:bodyPr>
-          <a:lstStyle/>
-          <a:p>
-            <a:r>
-              <a:rPr lang="ru-RU" dirty="0" smtClean="0">
-                <a:hlinkClick r:id="rId3"/>
-              </a:rPr>
-              <a:t>Таймер</a:t>
-            </a:r>
-            <a:endParaRPr lang="ru-RU" dirty="0"/>
-          </a:p>
-        </p:txBody>
-      </p:sp>
-    </p:spTree>
-    <p:extLst>
-      <p:ext uri="{BB962C8B-B14F-4D97-AF65-F5344CB8AC3E}">
-        <p14:creationId xmlns:p14="http://schemas.microsoft.com/office/powerpoint/2010/main" val="635541401"/>
       </p:ext>
     </p:extLst>
   </p:cSld>
